--- a/Documentation/Ryhmä 15 Web Esitys.pptx
+++ b/Documentation/Ryhmä 15 Web Esitys.pptx
@@ -115,6 +115,7 @@
     <p1510:client id="{274F0854-4E1F-2657-60DA-3204AB8E083D}" v="8" dt="2025-12-17T16:17:52.925"/>
     <p1510:client id="{42A4AC11-0494-F2F3-C621-5CA6D5FC2F51}" v="1408" dt="2025-12-17T16:18:49.454"/>
     <p1510:client id="{5A8C3C19-A3AC-C798-093A-952C10DE7F0A}" v="6" dt="2025-12-17T14:49:34.567"/>
+    <p1510:client id="{9BD0F54B-CAF0-C8D2-B6E0-DB9E1FE8B583}" v="61" dt="2025-12-18T08:18:54.714"/>
     <p1510:client id="{AF3FF04D-1D4A-3692-5A6C-A8B218B4578D}" v="230" dt="2025-12-17T15:59:02.906"/>
     <p1510:client id="{D0316077-9198-BE8F-ACE9-03F165CB2B33}" v="474" dt="2025-12-17T16:18:26.822"/>
     <p1510:client id="{E280F42E-01F2-28A7-92FF-F5FF324AF178}" v="515" dt="2025-12-17T16:02:59.595"/>
@@ -251,7 +252,7 @@
           <a:p>
             <a:fld id="{A02ABAE3-D89C-4001-9AEC-5083F82B749C}" type="datetimeFigureOut">
               <a:rPr lang="fi-FI" smtClean="0"/>
-              <a:t>17.12.2025</a:t>
+              <a:t>18.12.2025</a:t>
             </a:fld>
             <a:endParaRPr lang="fi-FI"/>
           </a:p>
@@ -419,7 +420,7 @@
           <a:p>
             <a:fld id="{A02ABAE3-D89C-4001-9AEC-5083F82B749C}" type="datetimeFigureOut">
               <a:rPr lang="fi-FI" smtClean="0"/>
-              <a:t>17.12.2025</a:t>
+              <a:t>18.12.2025</a:t>
             </a:fld>
             <a:endParaRPr lang="fi-FI"/>
           </a:p>
@@ -597,7 +598,7 @@
           <a:p>
             <a:fld id="{A02ABAE3-D89C-4001-9AEC-5083F82B749C}" type="datetimeFigureOut">
               <a:rPr lang="fi-FI" smtClean="0"/>
-              <a:t>17.12.2025</a:t>
+              <a:t>18.12.2025</a:t>
             </a:fld>
             <a:endParaRPr lang="fi-FI"/>
           </a:p>
@@ -765,7 +766,7 @@
           <a:p>
             <a:fld id="{A02ABAE3-D89C-4001-9AEC-5083F82B749C}" type="datetimeFigureOut">
               <a:rPr lang="fi-FI" smtClean="0"/>
-              <a:t>17.12.2025</a:t>
+              <a:t>18.12.2025</a:t>
             </a:fld>
             <a:endParaRPr lang="fi-FI"/>
           </a:p>
@@ -1010,7 +1011,7 @@
           <a:p>
             <a:fld id="{A02ABAE3-D89C-4001-9AEC-5083F82B749C}" type="datetimeFigureOut">
               <a:rPr lang="fi-FI" smtClean="0"/>
-              <a:t>17.12.2025</a:t>
+              <a:t>18.12.2025</a:t>
             </a:fld>
             <a:endParaRPr lang="fi-FI"/>
           </a:p>
@@ -1239,7 +1240,7 @@
           <a:p>
             <a:fld id="{A02ABAE3-D89C-4001-9AEC-5083F82B749C}" type="datetimeFigureOut">
               <a:rPr lang="fi-FI" smtClean="0"/>
-              <a:t>17.12.2025</a:t>
+              <a:t>18.12.2025</a:t>
             </a:fld>
             <a:endParaRPr lang="fi-FI"/>
           </a:p>
@@ -1603,7 +1604,7 @@
           <a:p>
             <a:fld id="{A02ABAE3-D89C-4001-9AEC-5083F82B749C}" type="datetimeFigureOut">
               <a:rPr lang="fi-FI" smtClean="0"/>
-              <a:t>17.12.2025</a:t>
+              <a:t>18.12.2025</a:t>
             </a:fld>
             <a:endParaRPr lang="fi-FI"/>
           </a:p>
@@ -1720,7 +1721,7 @@
           <a:p>
             <a:fld id="{A02ABAE3-D89C-4001-9AEC-5083F82B749C}" type="datetimeFigureOut">
               <a:rPr lang="fi-FI" smtClean="0"/>
-              <a:t>17.12.2025</a:t>
+              <a:t>18.12.2025</a:t>
             </a:fld>
             <a:endParaRPr lang="fi-FI"/>
           </a:p>
@@ -1815,7 +1816,7 @@
           <a:p>
             <a:fld id="{A02ABAE3-D89C-4001-9AEC-5083F82B749C}" type="datetimeFigureOut">
               <a:rPr lang="fi-FI" smtClean="0"/>
-              <a:t>17.12.2025</a:t>
+              <a:t>18.12.2025</a:t>
             </a:fld>
             <a:endParaRPr lang="fi-FI"/>
           </a:p>
@@ -2090,7 +2091,7 @@
           <a:p>
             <a:fld id="{A02ABAE3-D89C-4001-9AEC-5083F82B749C}" type="datetimeFigureOut">
               <a:rPr lang="fi-FI" smtClean="0"/>
-              <a:t>17.12.2025</a:t>
+              <a:t>18.12.2025</a:t>
             </a:fld>
             <a:endParaRPr lang="fi-FI"/>
           </a:p>
@@ -2342,7 +2343,7 @@
           <a:p>
             <a:fld id="{A02ABAE3-D89C-4001-9AEC-5083F82B749C}" type="datetimeFigureOut">
               <a:rPr lang="fi-FI" smtClean="0"/>
-              <a:t>17.12.2025</a:t>
+              <a:t>18.12.2025</a:t>
             </a:fld>
             <a:endParaRPr lang="fi-FI"/>
           </a:p>
@@ -2553,7 +2554,7 @@
           <a:p>
             <a:fld id="{A02ABAE3-D89C-4001-9AEC-5083F82B749C}" type="datetimeFigureOut">
               <a:rPr lang="fi-FI" smtClean="0"/>
-              <a:t>17.12.2025</a:t>
+              <a:t>18.12.2025</a:t>
             </a:fld>
             <a:endParaRPr lang="fi-FI"/>
           </a:p>
@@ -13566,7 +13567,7 @@
               <a:buChar char="•"/>
             </a:pPr>
             <a:r>
-              <a:rPr lang="en-US" sz="1600" dirty="0">
+              <a:rPr lang="en-US" sz="1600">
                 <a:solidFill>
                   <a:schemeClr val="bg1"/>
                 </a:solidFill>
@@ -13593,7 +13594,7 @@
               <a:buChar char="•"/>
             </a:pPr>
             <a:r>
-              <a:rPr lang="en-US" sz="1600" dirty="0">
+              <a:rPr lang="en-US" sz="1600">
                 <a:solidFill>
                   <a:schemeClr val="bg1"/>
                 </a:solidFill>
@@ -13607,7 +13608,7 @@
               <a:buChar char="•"/>
             </a:pPr>
             <a:r>
-              <a:rPr lang="en-US" sz="1600" dirty="0">
+              <a:rPr lang="en-US" sz="1600">
                 <a:solidFill>
                   <a:schemeClr val="bg1"/>
                 </a:solidFill>
@@ -13621,7 +13622,7 @@
               <a:buChar char="•"/>
             </a:pPr>
             <a:r>
-              <a:rPr lang="en-US" sz="1600" dirty="0">
+              <a:rPr lang="en-US" sz="1600">
                 <a:solidFill>
                   <a:schemeClr val="bg1"/>
                 </a:solidFill>
@@ -13629,10 +13630,10 @@
               <a:t>Simo Vares</a:t>
             </a:r>
             <a:br>
-              <a:rPr lang="en-US" sz="1600" dirty="0"/>
+              <a:rPr lang="en-US" sz="1600"/>
             </a:br>
             <a:br>
-              <a:rPr lang="en-US" sz="1600" dirty="0"/>
+              <a:rPr lang="en-US" sz="1600"/>
             </a:br>
             <a:endParaRPr lang="en-US" sz="600">
               <a:solidFill>
@@ -14154,7 +14155,7 @@
             <p:ph idx="1"/>
             <p:extLst>
               <p:ext uri="{D42A27DB-BD31-4B8C-83A1-F6EECF244321}">
-                <p14:modId xmlns:p14="http://schemas.microsoft.com/office/powerpoint/2010/main" val="2947343157"/>
+                <p14:modId xmlns:p14="http://schemas.microsoft.com/office/powerpoint/2010/main" val="2190156324"/>
               </p:ext>
             </p:extLst>
           </p:nvPr>
@@ -14199,7 +14200,7 @@
                     <a:lstStyle/>
                     <a:p>
                       <a:r>
-                        <a:rPr lang="en-US"/>
+                        <a:rPr lang="en-US" dirty="0"/>
                         <a:t>Done or not?</a:t>
                       </a:r>
                     </a:p>
@@ -14212,7 +14213,7 @@
                     <a:lstStyle/>
                     <a:p>
                       <a:r>
-                        <a:rPr lang="en-US"/>
+                        <a:rPr lang="en-US" dirty="0"/>
                         <a:t>Feature</a:t>
                       </a:r>
                     </a:p>
@@ -14225,7 +14226,7 @@
                     <a:lstStyle/>
                     <a:p>
                       <a:r>
-                        <a:rPr lang="en-US"/>
+                        <a:rPr lang="en-US" dirty="0"/>
                         <a:t>Points</a:t>
                       </a:r>
                     </a:p>
@@ -14248,7 +14249,7 @@
                         <a:buNone/>
                       </a:pPr>
                       <a:r>
-                        <a:rPr lang="en-US" sz="1800" b="0" i="0" u="none" strike="noStrike" noProof="0">
+                        <a:rPr lang="en-US" sz="1800" b="0" i="0" u="none" strike="noStrike" noProof="0" dirty="0">
                           <a:solidFill>
                             <a:schemeClr val="accent6"/>
                           </a:solidFill>
@@ -14256,7 +14257,7 @@
                         </a:rPr>
                         <a:t>✓</a:t>
                       </a:r>
-                      <a:endParaRPr lang="en-US">
+                      <a:endParaRPr lang="en-US" dirty="0">
                         <a:solidFill>
                           <a:schemeClr val="accent6"/>
                         </a:solidFill>
@@ -14271,7 +14272,7 @@
                     <a:lstStyle/>
                     <a:p>
                       <a:r>
-                        <a:rPr lang="en-US" sz="1400"/>
+                        <a:rPr lang="en-US" sz="1400" dirty="0"/>
                         <a:t>Responsiveness</a:t>
                       </a:r>
                     </a:p>
@@ -14284,7 +14285,7 @@
                     <a:lstStyle/>
                     <a:p>
                       <a:r>
-                        <a:rPr lang="en-US"/>
+                        <a:rPr lang="en-US" dirty="0"/>
                         <a:t>2</a:t>
                       </a:r>
                     </a:p>
@@ -14307,7 +14308,7 @@
                         <a:buNone/>
                       </a:pPr>
                       <a:r>
-                        <a:rPr lang="en-US" sz="1800" b="0" i="0" u="none" strike="noStrike" noProof="0">
+                        <a:rPr lang="en-US" sz="1800" b="0" i="0" u="none" strike="noStrike" noProof="0" dirty="0">
                           <a:solidFill>
                             <a:schemeClr val="accent6"/>
                           </a:solidFill>
@@ -14315,7 +14316,7 @@
                         </a:rPr>
                         <a:t>✓</a:t>
                       </a:r>
-                      <a:endParaRPr lang="en-US">
+                      <a:endParaRPr lang="en-US" dirty="0">
                         <a:solidFill>
                           <a:schemeClr val="accent6"/>
                         </a:solidFill>
@@ -14333,7 +14334,7 @@
                         <a:buNone/>
                       </a:pPr>
                       <a:r>
-                        <a:rPr lang="en-US" sz="1400"/>
+                        <a:rPr lang="en-US" sz="1400" dirty="0"/>
                         <a:t>Registration</a:t>
                       </a:r>
                     </a:p>
@@ -14349,7 +14350,7 @@
                         <a:buNone/>
                       </a:pPr>
                       <a:r>
-                        <a:rPr lang="en-US"/>
+                        <a:rPr lang="en-US" dirty="0"/>
                         <a:t>1</a:t>
                       </a:r>
                     </a:p>
@@ -14372,7 +14373,7 @@
                         <a:buNone/>
                       </a:pPr>
                       <a:r>
-                        <a:rPr lang="en-US" sz="1800" b="0" i="0" u="none" strike="noStrike" noProof="0">
+                        <a:rPr lang="en-US" sz="1800" b="0" i="0" u="none" strike="noStrike" noProof="0" dirty="0">
                           <a:solidFill>
                             <a:schemeClr val="accent6"/>
                           </a:solidFill>
@@ -14380,7 +14381,7 @@
                         </a:rPr>
                         <a:t>✓</a:t>
                       </a:r>
-                      <a:endParaRPr lang="en-US">
+                      <a:endParaRPr lang="en-US" dirty="0">
                         <a:solidFill>
                           <a:schemeClr val="accent6"/>
                         </a:solidFill>
@@ -14395,7 +14396,7 @@
                     <a:lstStyle/>
                     <a:p>
                       <a:r>
-                        <a:rPr lang="en-US" sz="1400"/>
+                        <a:rPr lang="en-US" sz="1400" dirty="0"/>
                         <a:t>Logging in</a:t>
                       </a:r>
                     </a:p>
@@ -14408,7 +14409,7 @@
                     <a:lstStyle/>
                     <a:p>
                       <a:r>
-                        <a:rPr lang="en-US"/>
+                        <a:rPr lang="en-US" dirty="0"/>
                         <a:t>1</a:t>
                       </a:r>
                     </a:p>
@@ -14431,7 +14432,7 @@
                         <a:buNone/>
                       </a:pPr>
                       <a:r>
-                        <a:rPr lang="en-US" sz="1800" b="0" i="0" u="none" strike="noStrike" noProof="0">
+                        <a:rPr lang="en-US" sz="1800" b="0" i="0" u="none" strike="noStrike" noProof="0" dirty="0">
                           <a:solidFill>
                             <a:schemeClr val="accent6"/>
                           </a:solidFill>
@@ -14439,7 +14440,7 @@
                         </a:rPr>
                         <a:t>✓</a:t>
                       </a:r>
-                      <a:endParaRPr lang="en-US">
+                      <a:endParaRPr lang="en-US" dirty="0">
                         <a:solidFill>
                           <a:schemeClr val="accent6"/>
                         </a:solidFill>
@@ -14454,7 +14455,7 @@
                     <a:lstStyle/>
                     <a:p>
                       <a:r>
-                        <a:rPr lang="en-US" sz="1400"/>
+                        <a:rPr lang="en-US" sz="1400" dirty="0"/>
                         <a:t>Deleting account</a:t>
                       </a:r>
                     </a:p>
@@ -14467,7 +14468,7 @@
                     <a:lstStyle/>
                     <a:p>
                       <a:r>
-                        <a:rPr lang="en-US"/>
+                        <a:rPr lang="en-US" dirty="0"/>
                         <a:t>1</a:t>
                       </a:r>
                     </a:p>
@@ -14490,7 +14491,7 @@
                         <a:buNone/>
                       </a:pPr>
                       <a:r>
-                        <a:rPr lang="en-US" sz="1800" b="0" i="0" u="none" strike="noStrike" noProof="0">
+                        <a:rPr lang="en-US" sz="1800" b="0" i="0" u="none" strike="noStrike" noProof="0" dirty="0">
                           <a:solidFill>
                             <a:schemeClr val="accent6"/>
                           </a:solidFill>
@@ -14498,7 +14499,7 @@
                         </a:rPr>
                         <a:t>✓</a:t>
                       </a:r>
-                      <a:endParaRPr lang="en-US">
+                      <a:endParaRPr lang="en-US" dirty="0">
                         <a:solidFill>
                           <a:schemeClr val="accent6"/>
                         </a:solidFill>
@@ -14513,7 +14514,7 @@
                     <a:lstStyle/>
                     <a:p>
                       <a:r>
-                        <a:rPr lang="en-US" sz="1400"/>
+                        <a:rPr lang="en-US" sz="1400" dirty="0"/>
                         <a:t>Search</a:t>
                       </a:r>
                     </a:p>
@@ -14526,7 +14527,7 @@
                     <a:lstStyle/>
                     <a:p>
                       <a:r>
-                        <a:rPr lang="en-US"/>
+                        <a:rPr lang="en-US" dirty="0"/>
                         <a:t>2</a:t>
                       </a:r>
                     </a:p>
@@ -14549,7 +14550,7 @@
                         <a:buNone/>
                       </a:pPr>
                       <a:r>
-                        <a:rPr lang="en-US" sz="1800" b="0" i="0" u="none" strike="noStrike" noProof="0">
+                        <a:rPr lang="en-US" sz="1800" b="0" i="0" u="none" strike="noStrike" noProof="0" dirty="0">
                           <a:solidFill>
                             <a:schemeClr val="accent6"/>
                           </a:solidFill>
@@ -14557,7 +14558,7 @@
                         </a:rPr>
                         <a:t>✓</a:t>
                       </a:r>
-                      <a:endParaRPr lang="en-US">
+                      <a:endParaRPr lang="en-US" dirty="0">
                         <a:solidFill>
                           <a:schemeClr val="accent6"/>
                         </a:solidFill>
@@ -14572,7 +14573,7 @@
                     <a:lstStyle/>
                     <a:p>
                       <a:r>
-                        <a:rPr lang="en-US" sz="1400"/>
+                        <a:rPr lang="en-US" sz="1400" dirty="0"/>
                         <a:t>Now in theaters</a:t>
                       </a:r>
                     </a:p>
@@ -14585,7 +14586,7 @@
                     <a:lstStyle/>
                     <a:p>
                       <a:r>
-                        <a:rPr lang="en-US"/>
+                        <a:rPr lang="en-US" dirty="0"/>
                         <a:t>1</a:t>
                       </a:r>
                     </a:p>
@@ -14608,7 +14609,7 @@
                         <a:buNone/>
                       </a:pPr>
                       <a:r>
-                        <a:rPr lang="en-US" sz="1800" b="0" i="0" u="none" strike="noStrike" noProof="0">
+                        <a:rPr lang="en-US" sz="1800" b="0" i="0" u="none" strike="noStrike" noProof="0" dirty="0">
                           <a:solidFill>
                             <a:schemeClr val="accent6"/>
                           </a:solidFill>
@@ -14616,7 +14617,16 @@
                         </a:rPr>
                         <a:t>✓</a:t>
                       </a:r>
-                      <a:endParaRPr lang="en-US">
+                      <a:r>
+                        <a:rPr lang="en-US" sz="1800" b="1" i="0" u="none" strike="noStrike" noProof="0" dirty="0">
+                          <a:solidFill>
+                            <a:srgbClr val="FF0000"/>
+                          </a:solidFill>
+                          <a:latin typeface="Aptos"/>
+                        </a:rPr>
+                        <a:t>x</a:t>
+                      </a:r>
+                      <a:endParaRPr lang="en-US" dirty="0">
                         <a:solidFill>
                           <a:schemeClr val="accent6"/>
                         </a:solidFill>
@@ -14631,7 +14641,7 @@
                     <a:lstStyle/>
                     <a:p>
                       <a:r>
-                        <a:rPr lang="en-US" sz="1400"/>
+                        <a:rPr lang="en-US" sz="1400" dirty="0"/>
                         <a:t>Group page</a:t>
                       </a:r>
                     </a:p>
@@ -14644,7 +14654,7 @@
                     <a:lstStyle/>
                     <a:p>
                       <a:r>
-                        <a:rPr lang="en-US"/>
+                        <a:rPr lang="en-US" dirty="0"/>
                         <a:t>2</a:t>
                       </a:r>
                     </a:p>
@@ -14667,7 +14677,7 @@
                         <a:buNone/>
                       </a:pPr>
                       <a:r>
-                        <a:rPr lang="en-US" sz="1800" b="0" i="0" u="none" strike="noStrike" noProof="0">
+                        <a:rPr lang="en-US" sz="1800" b="0" i="0" u="none" strike="noStrike" noProof="0" dirty="0">
                           <a:solidFill>
                             <a:schemeClr val="accent6"/>
                           </a:solidFill>
@@ -14675,7 +14685,7 @@
                         </a:rPr>
                         <a:t>✓</a:t>
                       </a:r>
-                      <a:endParaRPr lang="en-US">
+                      <a:endParaRPr lang="en-US" dirty="0">
                         <a:solidFill>
                           <a:schemeClr val="accent6"/>
                         </a:solidFill>
@@ -14690,7 +14700,7 @@
                     <a:lstStyle/>
                     <a:p>
                       <a:r>
-                        <a:rPr lang="en-US" sz="1400"/>
+                        <a:rPr lang="en-US" sz="1400" dirty="0"/>
                         <a:t>Adding a member</a:t>
                       </a:r>
                     </a:p>
@@ -14703,7 +14713,7 @@
                     <a:lstStyle/>
                     <a:p>
                       <a:r>
-                        <a:rPr lang="en-US"/>
+                        <a:rPr lang="en-US" dirty="0"/>
                         <a:t>1</a:t>
                       </a:r>
                     </a:p>
@@ -14726,7 +14736,7 @@
                         <a:buNone/>
                       </a:pPr>
                       <a:r>
-                        <a:rPr lang="en-US" sz="1800" b="0" i="0" u="none" strike="noStrike" noProof="0">
+                        <a:rPr lang="en-US" sz="1800" b="0" i="0" u="none" strike="noStrike" noProof="0" dirty="0">
                           <a:solidFill>
                             <a:schemeClr val="accent6"/>
                           </a:solidFill>
@@ -14734,7 +14744,7 @@
                         </a:rPr>
                         <a:t>✓</a:t>
                       </a:r>
-                      <a:endParaRPr lang="en-US">
+                      <a:endParaRPr lang="en-US" dirty="0">
                         <a:solidFill>
                           <a:schemeClr val="accent6"/>
                         </a:solidFill>
@@ -14752,7 +14762,7 @@
                         <a:buNone/>
                       </a:pPr>
                       <a:r>
-                        <a:rPr lang="en-US" sz="1400"/>
+                        <a:rPr lang="en-US" sz="1400" dirty="0"/>
                         <a:t>Removing a member</a:t>
                       </a:r>
                     </a:p>
@@ -14768,7 +14778,7 @@
                         <a:buNone/>
                       </a:pPr>
                       <a:r>
-                        <a:rPr lang="en-US"/>
+                        <a:rPr lang="en-US" dirty="0"/>
                         <a:t>1</a:t>
                       </a:r>
                     </a:p>
@@ -14791,19 +14801,15 @@
                         <a:buNone/>
                       </a:pPr>
                       <a:r>
-                        <a:rPr lang="en-US" sz="1800" b="0" i="0" u="none" strike="noStrike" noProof="0">
+                        <a:rPr lang="en-US" sz="1800" b="1" i="0" u="none" strike="noStrike" noProof="0" dirty="0">
                           <a:solidFill>
-                            <a:schemeClr val="accent6"/>
+                            <a:srgbClr val="FF0000"/>
                           </a:solidFill>
                           <a:latin typeface="Aptos"/>
                         </a:rPr>
-                        <a:t>✓</a:t>
+                        <a:t>x</a:t>
                       </a:r>
-                      <a:endParaRPr lang="en-US">
-                        <a:solidFill>
-                          <a:schemeClr val="accent6"/>
-                        </a:solidFill>
-                      </a:endParaRPr>
+                      <a:endParaRPr lang="en-US" dirty="0"/>
                     </a:p>
                   </a:txBody>
                   <a:tcPr/>
@@ -14817,7 +14823,7 @@
                         <a:buNone/>
                       </a:pPr>
                       <a:r>
-                        <a:rPr lang="en-US" sz="1400"/>
+                        <a:rPr lang="en-US" sz="1400" dirty="0"/>
                         <a:t>Customizing group page</a:t>
                       </a:r>
                     </a:p>
@@ -14833,7 +14839,7 @@
                         <a:buNone/>
                       </a:pPr>
                       <a:r>
-                        <a:rPr lang="en-US"/>
+                        <a:rPr lang="en-US" dirty="0"/>
                         <a:t>2</a:t>
                       </a:r>
                     </a:p>
@@ -14856,7 +14862,7 @@
                         <a:buNone/>
                       </a:pPr>
                       <a:r>
-                        <a:rPr lang="en-US" sz="1800" b="0" i="0" u="none" strike="noStrike" noProof="0">
+                        <a:rPr lang="en-US" sz="1800" b="0" i="0" u="none" strike="noStrike" noProof="0" dirty="0">
                           <a:solidFill>
                             <a:schemeClr val="accent6"/>
                           </a:solidFill>
@@ -14864,7 +14870,7 @@
                         </a:rPr>
                         <a:t>✓</a:t>
                       </a:r>
-                      <a:endParaRPr lang="en-US">
+                      <a:endParaRPr lang="en-US" dirty="0">
                         <a:solidFill>
                           <a:schemeClr val="accent6"/>
                         </a:solidFill>
@@ -14882,7 +14888,7 @@
                         <a:buNone/>
                       </a:pPr>
                       <a:r>
-                        <a:rPr lang="en-US" sz="1400"/>
+                        <a:rPr lang="en-US" sz="1400" dirty="0"/>
                         <a:t>Movie review</a:t>
                       </a:r>
                     </a:p>
@@ -14898,7 +14904,7 @@
                         <a:buNone/>
                       </a:pPr>
                       <a:r>
-                        <a:rPr lang="en-US"/>
+                        <a:rPr lang="en-US" dirty="0"/>
                         <a:t>1</a:t>
                       </a:r>
                     </a:p>
@@ -14921,7 +14927,7 @@
                         <a:buNone/>
                       </a:pPr>
                       <a:r>
-                        <a:rPr lang="en-US" sz="1800" b="0" i="0" u="none" strike="noStrike" noProof="0">
+                        <a:rPr lang="en-US" sz="1800" b="0" i="0" u="none" strike="noStrike" noProof="0" dirty="0">
                           <a:solidFill>
                             <a:schemeClr val="accent6"/>
                           </a:solidFill>
@@ -14929,7 +14935,7 @@
                         </a:rPr>
                         <a:t>✓</a:t>
                       </a:r>
-                      <a:endParaRPr lang="en-US">
+                      <a:endParaRPr lang="en-US" dirty="0">
                         <a:solidFill>
                           <a:schemeClr val="accent6"/>
                         </a:solidFill>
@@ -14947,7 +14953,7 @@
                         <a:buNone/>
                       </a:pPr>
                       <a:r>
-                        <a:rPr lang="en-US" sz="1400"/>
+                        <a:rPr lang="en-US" sz="1400" dirty="0"/>
                         <a:t>Browsing reviews</a:t>
                       </a:r>
                     </a:p>
@@ -14963,7 +14969,7 @@
                         <a:buNone/>
                       </a:pPr>
                       <a:r>
-                        <a:rPr lang="en-US"/>
+                        <a:rPr lang="en-US" dirty="0"/>
                         <a:t>1</a:t>
                       </a:r>
                     </a:p>
@@ -14986,7 +14992,7 @@
                         <a:buNone/>
                       </a:pPr>
                       <a:r>
-                        <a:rPr lang="en-US" sz="1800" b="0" i="0" u="none" strike="noStrike" noProof="0">
+                        <a:rPr lang="en-US" sz="1800" b="0" i="0" u="none" strike="noStrike" noProof="0" dirty="0">
                           <a:solidFill>
                             <a:schemeClr val="accent6"/>
                           </a:solidFill>
@@ -14994,7 +15000,7 @@
                         </a:rPr>
                         <a:t>✓</a:t>
                       </a:r>
-                      <a:endParaRPr lang="en-US">
+                      <a:endParaRPr lang="en-US" dirty="0">
                         <a:solidFill>
                           <a:schemeClr val="accent6"/>
                         </a:solidFill>
@@ -15012,11 +15018,11 @@
                         <a:buNone/>
                       </a:pPr>
                       <a:r>
-                        <a:rPr lang="en-US" sz="1400" err="1"/>
+                        <a:rPr lang="en-US" sz="1400" dirty="0" err="1"/>
                         <a:t>Favourites</a:t>
                       </a:r>
                       <a:r>
-                        <a:rPr lang="en-US" sz="1400"/>
+                        <a:rPr lang="en-US" sz="1400" dirty="0"/>
                         <a:t> </a:t>
                       </a:r>
                     </a:p>
@@ -15032,7 +15038,7 @@
                         <a:buNone/>
                       </a:pPr>
                       <a:r>
-                        <a:rPr lang="en-US"/>
+                        <a:rPr lang="en-US" dirty="0"/>
                         <a:t>1</a:t>
                       </a:r>
                     </a:p>
@@ -15055,7 +15061,7 @@
                         <a:buNone/>
                       </a:pPr>
                       <a:r>
-                        <a:rPr lang="en-US" sz="1800" b="0" i="0" u="none" strike="noStrike" noProof="0">
+                        <a:rPr lang="en-US" sz="1800" b="0" i="0" u="none" strike="noStrike" noProof="0" dirty="0">
                           <a:solidFill>
                             <a:schemeClr val="accent6"/>
                           </a:solidFill>
@@ -15063,7 +15069,7 @@
                         </a:rPr>
                         <a:t>✓</a:t>
                       </a:r>
-                      <a:endParaRPr lang="en-US">
+                      <a:endParaRPr lang="en-US" dirty="0">
                         <a:solidFill>
                           <a:schemeClr val="accent6"/>
                         </a:solidFill>
@@ -15081,11 +15087,11 @@
                         <a:buNone/>
                       </a:pPr>
                       <a:r>
-                        <a:rPr lang="en-US" sz="1400"/>
+                        <a:rPr lang="en-US" sz="1400" dirty="0"/>
                         <a:t>Sharing </a:t>
                       </a:r>
                       <a:r>
-                        <a:rPr lang="en-US" sz="1400" err="1"/>
+                        <a:rPr lang="en-US" sz="1400" dirty="0" err="1"/>
                         <a:t>favourites</a:t>
                       </a:r>
                     </a:p>
@@ -15101,7 +15107,7 @@
                         <a:buNone/>
                       </a:pPr>
                       <a:r>
-                        <a:rPr lang="en-US"/>
+                        <a:rPr lang="en-US" dirty="0"/>
                         <a:t>1</a:t>
                       </a:r>
                     </a:p>
@@ -15124,7 +15130,7 @@
                         <a:buNone/>
                       </a:pPr>
                       <a:r>
-                        <a:rPr lang="en-US" sz="1800" b="0" i="0" u="none" strike="noStrike" noProof="0">
+                        <a:rPr lang="en-US" sz="1800" b="0" i="0" u="none" strike="noStrike" noProof="0" dirty="0">
                           <a:solidFill>
                             <a:schemeClr val="accent6"/>
                           </a:solidFill>
@@ -15132,7 +15138,7 @@
                         </a:rPr>
                         <a:t>✓</a:t>
                       </a:r>
-                      <a:endParaRPr lang="en-US">
+                      <a:endParaRPr lang="en-US" dirty="0">
                         <a:solidFill>
                           <a:schemeClr val="accent6"/>
                         </a:solidFill>
@@ -15150,7 +15156,7 @@
                         <a:buNone/>
                       </a:pPr>
                       <a:r>
-                        <a:rPr lang="en-US" sz="1400"/>
+                        <a:rPr lang="en-US" sz="1400" dirty="0"/>
                         <a:t>Optional feature</a:t>
                       </a:r>
                     </a:p>
@@ -15166,7 +15172,7 @@
                         <a:buNone/>
                       </a:pPr>
                       <a:r>
-                        <a:rPr lang="en-US"/>
+                        <a:rPr lang="en-US" dirty="0"/>
                         <a:t>1</a:t>
                       </a:r>
                     </a:p>
@@ -15189,7 +15195,7 @@
                         <a:buNone/>
                       </a:pPr>
                       <a:r>
-                        <a:rPr lang="en-US" b="1">
+                        <a:rPr lang="en-US" b="1" dirty="0">
                           <a:solidFill>
                             <a:srgbClr val="FF0000"/>
                           </a:solidFill>
@@ -15209,7 +15215,7 @@
                         <a:buNone/>
                       </a:pPr>
                       <a:r>
-                        <a:rPr lang="en-US" sz="1400"/>
+                        <a:rPr lang="en-US" sz="1400" dirty="0"/>
                         <a:t>Site release</a:t>
                       </a:r>
                     </a:p>
@@ -15225,7 +15231,7 @@
                         <a:buNone/>
                       </a:pPr>
                       <a:r>
-                        <a:rPr lang="en-US"/>
+                        <a:rPr lang="en-US" dirty="0"/>
                         <a:t>1</a:t>
                       </a:r>
                     </a:p>
